--- a/spring12/slidesS12/expectation-intro.pptx
+++ b/spring12/slidesS12/expectation-intro.pptx
@@ -2689,11 +2689,7 @@
             </a:r>
             <a:r>
               <a:rPr lang="en-US" dirty="0" smtClean="0"/>
-              <a:t>12W</a:t>
-            </a:r>
-            <a:r>
-              <a:rPr lang="en-US" dirty="0" smtClean="0"/>
-              <a:t>.</a:t>
+              <a:t>12F.</a:t>
             </a:r>
             <a:fld id="{FC9265C7-2444-489D-860F-86AAC4235083}" type="slidenum">
               <a:rPr lang="en-US" smtClean="0"/>
@@ -2872,7 +2868,7 @@
             </a:r>
             <a:r>
               <a:rPr lang="en-US" dirty="0" smtClean="0"/>
-              <a:t>12W.</a:t>
+              <a:t>12F.</a:t>
             </a:r>
             <a:fld id="{7886A709-CED2-48A3-8616-B2655C008ECB}" type="slidenum">
               <a:rPr lang="en-US" smtClean="0"/>
@@ -2972,7 +2968,7 @@
             </a:r>
             <a:r>
               <a:rPr lang="en-US" dirty="0" smtClean="0"/>
-              <a:t>12W.</a:t>
+              <a:t>12F.</a:t>
             </a:r>
             <a:fld id="{9B55653B-1858-43BF-A49A-533C730B553F}" type="slidenum">
               <a:rPr lang="en-US" smtClean="0"/>
@@ -3045,11 +3041,7 @@
             </a:r>
             <a:r>
               <a:rPr lang="en-US" dirty="0" smtClean="0"/>
-              <a:t>12W</a:t>
-            </a:r>
-            <a:r>
-              <a:rPr lang="en-US" dirty="0" smtClean="0"/>
-              <a:t>.</a:t>
+              <a:t>12F.</a:t>
             </a:r>
             <a:fld id="{4E62291C-8AD8-4AE0-8F6D-A8437E91FB33}" type="slidenum">
               <a:rPr lang="en-US" smtClean="0"/>
@@ -3264,11 +3256,7 @@
             </a:r>
             <a:r>
               <a:rPr lang="en-US" dirty="0" smtClean="0"/>
-              <a:t>12W</a:t>
-            </a:r>
-            <a:r>
-              <a:rPr lang="en-US" dirty="0" smtClean="0"/>
-              <a:t>.</a:t>
+              <a:t>12F.</a:t>
             </a:r>
             <a:fld id="{7886A709-CED2-48A3-8616-B2655C008ECB}" type="slidenum">
               <a:rPr lang="en-US" smtClean="0"/>
@@ -3364,7 +3352,7 @@
                 <a:uFillTx/>
                 <a:latin typeface="Comic Sans MS" pitchFamily="66" charset="0"/>
               </a:rPr>
-              <a:t>Albert R Meyer,            </a:t>
+              <a:t>Albert R Meyer,            May </a:t>
             </a:r>
             <a:r>
               <a:rPr kumimoji="0" lang="en-US" sz="1200" b="0" i="0" u="none" strike="noStrike" kern="1200" cap="none" spc="0" normalizeH="0" baseline="0" noProof="0" dirty="0" smtClean="0">
@@ -3379,7 +3367,22 @@
                 <a:uFillTx/>
                 <a:latin typeface="Comic Sans MS" pitchFamily="66" charset="0"/>
               </a:rPr>
-              <a:t>May 2, 2012</a:t>
+              <a:t>4, </a:t>
+            </a:r>
+            <a:r>
+              <a:rPr kumimoji="0" lang="en-US" sz="1200" b="0" i="0" u="none" strike="noStrike" kern="1200" cap="none" spc="0" normalizeH="0" baseline="0" noProof="0" dirty="0" smtClean="0">
+                <a:ln>
+                  <a:noFill/>
+                </a:ln>
+                <a:solidFill>
+                  <a:schemeClr val="tx1"/>
+                </a:solidFill>
+                <a:effectLst/>
+                <a:uLnTx/>
+                <a:uFillTx/>
+                <a:latin typeface="Comic Sans MS" pitchFamily="66" charset="0"/>
+              </a:rPr>
+              <a:t>2012</a:t>
             </a:r>
             <a:endParaRPr kumimoji="0" lang="en-US" sz="1200" b="0" i="0" u="none" strike="noStrike" kern="1200" cap="none" spc="0" normalizeH="0" baseline="0" noProof="0" dirty="0">
               <a:ln>
@@ -3987,7 +3990,7 @@
             </a:r>
             <a:r>
               <a:rPr lang="en-US" dirty="0" smtClean="0"/>
-              <a:t>12W.</a:t>
+              <a:t>12F.</a:t>
             </a:r>
             <a:fld id="{93DA0692-DAF7-4AFE-9BE7-E02439D3694A}" type="slidenum">
               <a:rPr lang="en-US" smtClean="0"/>
@@ -4051,7 +4054,7 @@
           <a:graphicData uri="http://schemas.openxmlformats.org/presentationml/2006/ole">
             <mc:AlternateContent xmlns:mc="http://schemas.openxmlformats.org/markup-compatibility/2006">
               <mc:Choice xmlns:v="urn:schemas-microsoft-com:vml" Requires="v">
-                <p:oleObj spid="_x0000_s176158" name="Equation" r:id="rId4" imgW="2006280" imgH="812520" progId="Equation.DSMT4">
+                <p:oleObj spid="_x0000_s176160" name="Equation" r:id="rId4" imgW="2006280" imgH="812520" progId="Equation.DSMT4">
                   <p:embed/>
                 </p:oleObj>
               </mc:Choice>
@@ -4330,7 +4333,7 @@
                 <a:latin typeface="Comic Sans MS"/>
                 <a:cs typeface="Comic Sans MS"/>
               </a:rPr>
-              <a:t>12W.</a:t>
+              <a:t>12F.</a:t>
             </a:r>
             <a:fld id="{93DA0692-DAF7-4AFE-9BE7-E02439D3694A}" type="slidenum">
               <a:rPr lang="en-US" sz="1200" smtClean="0">
@@ -4394,7 +4397,7 @@
                 <a:latin typeface="Comic Sans MS"/>
                 <a:cs typeface="Comic Sans MS"/>
               </a:rPr>
-              <a:t>12W.</a:t>
+              <a:t>12F.</a:t>
             </a:r>
             <a:fld id="{93DA0692-DAF7-4AFE-9BE7-E02439D3694A}" type="slidenum">
               <a:rPr lang="en-US" sz="1200" smtClean="0">
@@ -4478,13 +4481,13 @@
   <p:clrMapOvr>
     <a:masterClrMapping/>
   </p:clrMapOvr>
-  <mc:AlternateContent xmlns:mc="http://schemas.openxmlformats.org/markup-compatibility/2006">
-    <mc:Choice xmlns:p14="http://schemas.microsoft.com/office/powerpoint/2010/main" Requires="p14">
+  <mc:AlternateContent xmlns:mc="http://schemas.openxmlformats.org/markup-compatibility/2006" xmlns:p14="http://schemas.microsoft.com/office/powerpoint/2010/main">
+    <mc:Choice Requires="p14">
       <p:transition p14:dur="200">
         <p:fade/>
       </p:transition>
     </mc:Choice>
-    <mc:Fallback>
+    <mc:Fallback xmlns="">
       <p:transition xmlns:p14="http://schemas.microsoft.com/office/powerpoint/2010/main">
         <p:fade/>
       </p:transition>
@@ -4988,7 +4991,7 @@
                 <a:latin typeface="Comic Sans MS"/>
                 <a:cs typeface="Comic Sans MS"/>
               </a:rPr>
-              <a:t>12W.</a:t>
+              <a:t>12F.</a:t>
             </a:r>
             <a:fld id="{93DA0692-DAF7-4AFE-9BE7-E02439D3694A}" type="slidenum">
               <a:rPr lang="en-US" sz="1200" smtClean="0">
@@ -5398,7 +5401,7 @@
                 <a:latin typeface="Comic Sans MS"/>
                 <a:cs typeface="Comic Sans MS"/>
               </a:rPr>
-              <a:t>12W.</a:t>
+              <a:t>12F.</a:t>
             </a:r>
             <a:fld id="{93DA0692-DAF7-4AFE-9BE7-E02439D3694A}" type="slidenum">
               <a:rPr lang="en-US" sz="1200" smtClean="0">
@@ -6025,7 +6028,7 @@
           <a:graphicData uri="http://schemas.openxmlformats.org/presentationml/2006/ole">
             <mc:AlternateContent xmlns:mc="http://schemas.openxmlformats.org/markup-compatibility/2006">
               <mc:Choice xmlns:v="urn:schemas-microsoft-com:vml" Requires="v">
-                <p:oleObj spid="_x0000_s182303" name="Equation" r:id="rId4" imgW="419040" imgH="419040" progId="Equation.DSMT4">
+                <p:oleObj spid="_x0000_s182305" name="Equation" r:id="rId4" imgW="419040" imgH="419040" progId="Equation.DSMT4">
                   <p:embed/>
                 </p:oleObj>
               </mc:Choice>
@@ -6219,7 +6222,7 @@
                 <a:latin typeface="Comic Sans MS"/>
                 <a:cs typeface="Comic Sans MS"/>
               </a:rPr>
-              <a:t>12W.</a:t>
+              <a:t>12F.</a:t>
             </a:r>
             <a:fld id="{93DA0692-DAF7-4AFE-9BE7-E02439D3694A}" type="slidenum">
               <a:rPr lang="en-US" sz="1200" smtClean="0">
@@ -6243,13 +6246,13 @@
   <p:clrMapOvr>
     <a:masterClrMapping/>
   </p:clrMapOvr>
-  <mc:AlternateContent xmlns:mc="http://schemas.openxmlformats.org/markup-compatibility/2006">
-    <mc:Choice xmlns:p14="http://schemas.microsoft.com/office/powerpoint/2010/main" Requires="p14">
+  <mc:AlternateContent xmlns:mc="http://schemas.openxmlformats.org/markup-compatibility/2006" xmlns:p14="http://schemas.microsoft.com/office/powerpoint/2010/main">
+    <mc:Choice Requires="p14">
       <p:transition spd="med" p14:dur="700">
         <p:fade/>
       </p:transition>
     </mc:Choice>
-    <mc:Fallback>
+    <mc:Fallback xmlns="">
       <p:transition xmlns:p14="http://schemas.microsoft.com/office/powerpoint/2010/main" spd="med">
         <p:fade/>
       </p:transition>
@@ -6574,7 +6577,7 @@
           <a:graphicData uri="http://schemas.openxmlformats.org/presentationml/2006/ole">
             <mc:AlternateContent xmlns:mc="http://schemas.openxmlformats.org/markup-compatibility/2006">
               <mc:Choice xmlns:v="urn:schemas-microsoft-com:vml" Requires="v">
-                <p:oleObj spid="_x0000_s184351" name="Equation" r:id="rId4" imgW="1498600" imgH="431800" progId="Equation.DSMT4">
+                <p:oleObj spid="_x0000_s184353" name="Equation" r:id="rId4" imgW="1498600" imgH="431800" progId="Equation.DSMT4">
                   <p:embed/>
                 </p:oleObj>
               </mc:Choice>
@@ -6814,7 +6817,7 @@
                 <a:latin typeface="Comic Sans MS"/>
                 <a:cs typeface="Comic Sans MS"/>
               </a:rPr>
-              <a:t>12W.</a:t>
+              <a:t>12F.</a:t>
             </a:r>
             <a:fld id="{93DA0692-DAF7-4AFE-9BE7-E02439D3694A}" type="slidenum">
               <a:rPr lang="en-US" sz="1200" smtClean="0">
@@ -7035,7 +7038,7 @@
           <a:graphicData uri="http://schemas.openxmlformats.org/presentationml/2006/ole">
             <mc:AlternateContent xmlns:mc="http://schemas.openxmlformats.org/markup-compatibility/2006">
               <mc:Choice xmlns:v="urn:schemas-microsoft-com:vml" Requires="v">
-                <p:oleObj spid="_x0000_s186398" name="Equation" r:id="rId4" imgW="1562100" imgH="406400" progId="Equation.DSMT4">
+                <p:oleObj spid="_x0000_s186400" name="Equation" r:id="rId4" imgW="1562100" imgH="406400" progId="Equation.DSMT4">
                   <p:embed/>
                 </p:oleObj>
               </mc:Choice>
@@ -7152,7 +7155,7 @@
                 <a:latin typeface="Comic Sans MS"/>
                 <a:cs typeface="Comic Sans MS"/>
               </a:rPr>
-              <a:t>12W.</a:t>
+              <a:t>12F.</a:t>
             </a:r>
             <a:fld id="{93DA0692-DAF7-4AFE-9BE7-E02439D3694A}" type="slidenum">
               <a:rPr lang="en-US" sz="1200" smtClean="0">
@@ -7262,7 +7265,7 @@
           <a:graphicData uri="http://schemas.openxmlformats.org/presentationml/2006/ole">
             <mc:AlternateContent xmlns:mc="http://schemas.openxmlformats.org/markup-compatibility/2006">
               <mc:Choice xmlns:v="urn:schemas-microsoft-com:vml" Requires="v">
-                <p:oleObj spid="_x0000_s188508" name="Equation" r:id="rId4" imgW="1828800" imgH="406400" progId="Equation.DSMT4">
+                <p:oleObj spid="_x0000_s188512" name="Equation" r:id="rId4" imgW="1828800" imgH="406400" progId="Equation.DSMT4">
                   <p:embed/>
                 </p:oleObj>
               </mc:Choice>
@@ -7324,7 +7327,7 @@
           <a:graphicData uri="http://schemas.openxmlformats.org/presentationml/2006/ole">
             <mc:AlternateContent xmlns:mc="http://schemas.openxmlformats.org/markup-compatibility/2006">
               <mc:Choice xmlns:v="urn:schemas-microsoft-com:vml" Requires="v">
-                <p:oleObj spid="_x0000_s188509" name="Equation" r:id="rId6" imgW="1422400" imgH="533400" progId="Equation.DSMT4">
+                <p:oleObj spid="_x0000_s188513" name="Equation" r:id="rId6" imgW="1422400" imgH="533400" progId="Equation.DSMT4">
                   <p:embed/>
                 </p:oleObj>
               </mc:Choice>
@@ -7394,7 +7397,7 @@
           <a:graphicData uri="http://schemas.openxmlformats.org/presentationml/2006/ole">
             <mc:AlternateContent xmlns:mc="http://schemas.openxmlformats.org/markup-compatibility/2006">
               <mc:Choice xmlns:v="urn:schemas-microsoft-com:vml" Requires="v">
-                <p:oleObj spid="_x0000_s188510" name="Equation" r:id="rId8" imgW="1270000" imgH="406400" progId="Equation.DSMT4">
+                <p:oleObj spid="_x0000_s188514" name="Equation" r:id="rId8" imgW="1270000" imgH="406400" progId="Equation.DSMT4">
                   <p:embed/>
                 </p:oleObj>
               </mc:Choice>
@@ -7519,7 +7522,7 @@
                 <a:latin typeface="Comic Sans MS"/>
                 <a:cs typeface="Comic Sans MS"/>
               </a:rPr>
-              <a:t>12W.</a:t>
+              <a:t>12F.</a:t>
             </a:r>
             <a:fld id="{93DA0692-DAF7-4AFE-9BE7-E02439D3694A}" type="slidenum">
               <a:rPr lang="en-US" sz="1200" smtClean="0">
@@ -7758,7 +7761,7 @@
           <a:graphicData uri="http://schemas.openxmlformats.org/presentationml/2006/ole">
             <mc:AlternateContent xmlns:mc="http://schemas.openxmlformats.org/markup-compatibility/2006">
               <mc:Choice xmlns:v="urn:schemas-microsoft-com:vml" Requires="v">
-                <p:oleObj spid="_x0000_s571417" name="Equation" r:id="rId4" imgW="1828800" imgH="406400" progId="Equation.DSMT4">
+                <p:oleObj spid="_x0000_s571422" name="Equation" r:id="rId4" imgW="1828800" imgH="406400" progId="Equation.DSMT4">
                   <p:embed/>
                 </p:oleObj>
               </mc:Choice>
@@ -7820,7 +7823,7 @@
           <a:graphicData uri="http://schemas.openxmlformats.org/presentationml/2006/ole">
             <mc:AlternateContent xmlns:mc="http://schemas.openxmlformats.org/markup-compatibility/2006">
               <mc:Choice xmlns:v="urn:schemas-microsoft-com:vml" Requires="v">
-                <p:oleObj spid="_x0000_s571418" name="Equation" r:id="rId6" imgW="1168400" imgH="406400" progId="Equation.DSMT4">
+                <p:oleObj spid="_x0000_s571423" name="Equation" r:id="rId6" imgW="1168400" imgH="406400" progId="Equation.DSMT4">
                   <p:embed/>
                 </p:oleObj>
               </mc:Choice>
@@ -7890,7 +7893,7 @@
           <a:graphicData uri="http://schemas.openxmlformats.org/presentationml/2006/ole">
             <mc:AlternateContent xmlns:mc="http://schemas.openxmlformats.org/markup-compatibility/2006">
               <mc:Choice xmlns:v="urn:schemas-microsoft-com:vml" Requires="v">
-                <p:oleObj spid="_x0000_s571419" name="Equation" r:id="rId8" imgW="1422400" imgH="533400" progId="Equation.DSMT4">
+                <p:oleObj spid="_x0000_s571424" name="Equation" r:id="rId8" imgW="1422400" imgH="533400" progId="Equation.DSMT4">
                   <p:embed/>
                 </p:oleObj>
               </mc:Choice>
@@ -8015,7 +8018,7 @@
                 <a:latin typeface="Comic Sans MS"/>
                 <a:cs typeface="Comic Sans MS"/>
               </a:rPr>
-              <a:t>12W.</a:t>
+              <a:t>12F.</a:t>
             </a:r>
             <a:fld id="{93DA0692-DAF7-4AFE-9BE7-E02439D3694A}" type="slidenum">
               <a:rPr lang="en-US" sz="1200" smtClean="0">
@@ -8056,7 +8059,7 @@
           <a:graphicData uri="http://schemas.openxmlformats.org/presentationml/2006/ole">
             <mc:AlternateContent xmlns:mc="http://schemas.openxmlformats.org/markup-compatibility/2006">
               <mc:Choice xmlns:v="urn:schemas-microsoft-com:vml" Requires="v">
-                <p:oleObj spid="_x0000_s571420" name="Equation" r:id="rId10" imgW="1511300" imgH="406400" progId="Equation.DSMT4">
+                <p:oleObj spid="_x0000_s571425" name="Equation" r:id="rId10" imgW="1511300" imgH="406400" progId="Equation.DSMT4">
                   <p:embed/>
                 </p:oleObj>
               </mc:Choice>
@@ -8114,13 +8117,13 @@
   <p:clrMapOvr>
     <a:masterClrMapping/>
   </p:clrMapOvr>
-  <mc:AlternateContent xmlns:mc="http://schemas.openxmlformats.org/markup-compatibility/2006">
-    <mc:Choice xmlns:p14="http://schemas.microsoft.com/office/powerpoint/2010/main" Requires="p14">
+  <mc:AlternateContent xmlns:mc="http://schemas.openxmlformats.org/markup-compatibility/2006" xmlns:p14="http://schemas.microsoft.com/office/powerpoint/2010/main">
+    <mc:Choice Requires="p14">
       <p:transition spd="med" p14:dur="700">
         <p:fade/>
       </p:transition>
     </mc:Choice>
-    <mc:Fallback>
+    <mc:Fallback xmlns="">
       <p:transition xmlns:p14="http://schemas.microsoft.com/office/powerpoint/2010/main" spd="med">
         <p:fade/>
       </p:transition>
@@ -8358,7 +8361,7 @@
           <a:graphicData uri="http://schemas.openxmlformats.org/presentationml/2006/ole">
             <mc:AlternateContent xmlns:mc="http://schemas.openxmlformats.org/markup-compatibility/2006">
               <mc:Choice xmlns:v="urn:schemas-microsoft-com:vml" Requires="v">
-                <p:oleObj spid="_x0000_s190494" name="Equation" r:id="rId4" imgW="914400" imgH="220320" progId="Equation.DSMT4">
+                <p:oleObj spid="_x0000_s190496" name="Equation" r:id="rId4" imgW="914400" imgH="220320" progId="Equation.DSMT4">
                   <p:embed/>
                 </p:oleObj>
               </mc:Choice>
@@ -8642,7 +8645,7 @@
                 <a:latin typeface="Comic Sans MS"/>
                 <a:cs typeface="Comic Sans MS"/>
               </a:rPr>
-              <a:t>12W.</a:t>
+              <a:t>12F.</a:t>
             </a:r>
             <a:fld id="{93DA0692-DAF7-4AFE-9BE7-E02439D3694A}" type="slidenum">
               <a:rPr lang="en-US" sz="1200" smtClean="0">
@@ -8848,7 +8851,7 @@
                 <a:latin typeface="Comic Sans MS"/>
                 <a:cs typeface="Comic Sans MS"/>
               </a:rPr>
-              <a:t>12W.</a:t>
+              <a:t>12F.</a:t>
             </a:r>
             <a:fld id="{93DA0692-DAF7-4AFE-9BE7-E02439D3694A}" type="slidenum">
               <a:rPr lang="en-US" sz="1200" smtClean="0">
@@ -8998,7 +9001,7 @@
             </a:r>
             <a:r>
               <a:rPr lang="en-US" dirty="0" smtClean="0"/>
-              <a:t>12W.</a:t>
+              <a:t>12F.</a:t>
             </a:r>
             <a:fld id="{93DA0692-DAF7-4AFE-9BE7-E02439D3694A}" type="slidenum">
               <a:rPr lang="en-US" smtClean="0"/>
@@ -9202,7 +9205,7 @@
                 <a:latin typeface="Comic Sans MS"/>
                 <a:cs typeface="Comic Sans MS"/>
               </a:rPr>
-              <a:t>12W.</a:t>
+              <a:t>12F.</a:t>
             </a:r>
             <a:fld id="{93DA0692-DAF7-4AFE-9BE7-E02439D3694A}" type="slidenum">
               <a:rPr lang="en-US" sz="1200" smtClean="0">
@@ -9820,7 +9823,7 @@
                 <a:latin typeface="Comic Sans MS"/>
                 <a:cs typeface="Comic Sans MS"/>
               </a:rPr>
-              <a:t>12W.</a:t>
+              <a:t>12F.</a:t>
             </a:r>
             <a:fld id="{93DA0692-DAF7-4AFE-9BE7-E02439D3694A}" type="slidenum">
               <a:rPr lang="en-US" sz="1200" smtClean="0">
@@ -10198,7 +10201,7 @@
                 <a:latin typeface="Comic Sans MS"/>
                 <a:cs typeface="Comic Sans MS"/>
               </a:rPr>
-              <a:t>12W.</a:t>
+              <a:t>12F.</a:t>
             </a:r>
             <a:fld id="{93DA0692-DAF7-4AFE-9BE7-E02439D3694A}" type="slidenum">
               <a:rPr lang="en-US" sz="1200" smtClean="0">
@@ -10328,7 +10331,7 @@
           <a:graphicData uri="http://schemas.openxmlformats.org/presentationml/2006/ole">
             <mc:AlternateContent xmlns:mc="http://schemas.openxmlformats.org/markup-compatibility/2006">
               <mc:Choice xmlns:v="urn:schemas-microsoft-com:vml" Requires="v">
-                <p:oleObj spid="_x0000_s168025" name="Equation" r:id="rId4" imgW="1270000" imgH="596900" progId="Equation.DSMT4">
+                <p:oleObj spid="_x0000_s168030" name="Equation" r:id="rId4" imgW="1270000" imgH="596900" progId="Equation.DSMT4">
                   <p:embed/>
                 </p:oleObj>
               </mc:Choice>
@@ -10398,7 +10401,7 @@
           <a:graphicData uri="http://schemas.openxmlformats.org/presentationml/2006/ole">
             <mc:AlternateContent xmlns:mc="http://schemas.openxmlformats.org/markup-compatibility/2006">
               <mc:Choice xmlns:v="urn:schemas-microsoft-com:vml" Requires="v">
-                <p:oleObj spid="_x0000_s168026" name="Equation" r:id="rId6" imgW="1600200" imgH="596900" progId="Equation.DSMT4">
+                <p:oleObj spid="_x0000_s168031" name="Equation" r:id="rId6" imgW="1600200" imgH="596900" progId="Equation.DSMT4">
                   <p:embed/>
                 </p:oleObj>
               </mc:Choice>
@@ -10468,7 +10471,7 @@
           <a:graphicData uri="http://schemas.openxmlformats.org/presentationml/2006/ole">
             <mc:AlternateContent xmlns:mc="http://schemas.openxmlformats.org/markup-compatibility/2006">
               <mc:Choice xmlns:v="urn:schemas-microsoft-com:vml" Requires="v">
-                <p:oleObj spid="_x0000_s168027" name="Equation" r:id="rId8" imgW="1727200" imgH="596900" progId="Equation.DSMT4">
+                <p:oleObj spid="_x0000_s168032" name="Equation" r:id="rId8" imgW="1727200" imgH="596900" progId="Equation.DSMT4">
                   <p:embed/>
                 </p:oleObj>
               </mc:Choice>
@@ -10538,7 +10541,7 @@
           <a:graphicData uri="http://schemas.openxmlformats.org/presentationml/2006/ole">
             <mc:AlternateContent xmlns:mc="http://schemas.openxmlformats.org/markup-compatibility/2006">
               <mc:Choice xmlns:v="urn:schemas-microsoft-com:vml" Requires="v">
-                <p:oleObj spid="_x0000_s168028" name="Equation" r:id="rId10" imgW="1257300" imgH="596900" progId="Equation.DSMT4">
+                <p:oleObj spid="_x0000_s168033" name="Equation" r:id="rId10" imgW="1257300" imgH="596900" progId="Equation.DSMT4">
                   <p:embed/>
                 </p:oleObj>
               </mc:Choice>
@@ -10637,7 +10640,7 @@
                 <a:latin typeface="Comic Sans MS"/>
                 <a:cs typeface="Comic Sans MS"/>
               </a:rPr>
-              <a:t>12W.</a:t>
+              <a:t>12F.</a:t>
             </a:r>
             <a:fld id="{93DA0692-DAF7-4AFE-9BE7-E02439D3694A}" type="slidenum">
               <a:rPr lang="en-US" sz="1200" smtClean="0">
@@ -11611,7 +11614,7 @@
                 <a:latin typeface="Comic Sans MS"/>
                 <a:cs typeface="Comic Sans MS"/>
               </a:rPr>
-              <a:t>12W.</a:t>
+              <a:t>12F.</a:t>
             </a:r>
             <a:fld id="{93DA0692-DAF7-4AFE-9BE7-E02439D3694A}" type="slidenum">
               <a:rPr lang="en-US" sz="1200" smtClean="0">
@@ -12023,7 +12026,7 @@
                 <a:latin typeface="Comic Sans MS"/>
                 <a:cs typeface="Comic Sans MS"/>
               </a:rPr>
-              <a:t>12W.</a:t>
+              <a:t>12F.</a:t>
             </a:r>
             <a:fld id="{93DA0692-DAF7-4AFE-9BE7-E02439D3694A}" type="slidenum">
               <a:rPr lang="en-US" sz="1200" smtClean="0">
@@ -12372,7 +12375,7 @@
           <a:graphicData uri="http://schemas.openxmlformats.org/presentationml/2006/ole">
             <mc:AlternateContent xmlns:mc="http://schemas.openxmlformats.org/markup-compatibility/2006">
               <mc:Choice xmlns:v="urn:schemas-microsoft-com:vml" Requires="v">
-                <p:oleObj spid="_x0000_s174109" name="Equation" r:id="rId4" imgW="2006280" imgH="812520" progId="Equation.DSMT4">
+                <p:oleObj spid="_x0000_s174111" name="Equation" r:id="rId4" imgW="2006280" imgH="812520" progId="Equation.DSMT4">
                   <p:embed/>
                 </p:oleObj>
               </mc:Choice>
@@ -12602,7 +12605,7 @@
                 <a:latin typeface="Comic Sans MS"/>
                 <a:cs typeface="Comic Sans MS"/>
               </a:rPr>
-              <a:t>12W.</a:t>
+              <a:t>12F.</a:t>
             </a:r>
             <a:fld id="{93DA0692-DAF7-4AFE-9BE7-E02439D3694A}" type="slidenum">
               <a:rPr lang="en-US" sz="1200" smtClean="0">
